--- a/presentations/2025-04-DaVinci/Event/Burden Reduction - Performance Optimization Strategies.pptx
+++ b/presentations/2025-04-DaVinci/Event/Burden Reduction - Performance Optimization Strategies.pptx
@@ -12046,23 +12046,20 @@
             <a:pPr lvl="1"/>
             <a:r>
               <a:rPr lang="en-US" dirty="0"/>
-              <a:t>Can this provider org be found</a:t>
+              <a:t>Can this provider org be found?</a:t>
             </a:r>
           </a:p>
           <a:p>
             <a:pPr lvl="2"/>
             <a:r>
               <a:rPr lang="en-US" dirty="0"/>
-              <a:t>Are they “in network” for ordering processes.  </a:t>
-            </a:r>
-            <a:r>
-              <a:rPr lang="en-US" dirty="0">
-                <a:highlight>
-                  <a:srgbClr val="FFFF00"/>
-                </a:highlight>
-              </a:rPr>
-              <a:t>(No gold card for orgs?)</a:t>
-            </a:r>
+              <a:t>Are they “in network” for ordering processes?</a:t>
+            </a:r>
+            <a:endParaRPr lang="en-US" dirty="0">
+              <a:highlight>
+                <a:srgbClr val="FFFF00"/>
+              </a:highlight>
+            </a:endParaRPr>
           </a:p>
           <a:p>
             <a:r>
@@ -30426,61 +30423,12 @@
 </file>
 
 <file path=customXml/item1.xml><?xml version="1.0" encoding="utf-8"?>
-<p:properties xmlns:p="http://schemas.microsoft.com/office/2006/metadata/properties" xmlns:xsi="http://www.w3.org/2001/XMLSchema-instance" xmlns:pc="http://schemas.microsoft.com/office/infopath/2007/PartnerControls">
-  <documentManagement>
-    <SharedWithUsers xmlns="cf5a87e6-8225-499d-8aa7-664ff23f0528">
-      <UserInfo>
-        <DisplayName>Kathy Moncelsi</DisplayName>
-        <AccountId>117</AccountId>
-        <AccountType/>
-      </UserInfo>
-      <UserInfo>
-        <DisplayName>Vanessa Candelora</DisplayName>
-        <AccountId>7525</AccountId>
-        <AccountType/>
-      </UserInfo>
-      <UserInfo>
-        <DisplayName>Phung Matthews</DisplayName>
-        <AccountId>7256</AccountId>
-        <AccountType/>
-      </UserInfo>
-      <UserInfo>
-        <DisplayName>Jordyn King</DisplayName>
-        <AccountId>6166</AccountId>
-        <AccountType/>
-      </UserInfo>
-      <UserInfo>
-        <DisplayName>Pooja Babbrah</DisplayName>
-        <AccountId>63</AccountId>
-        <AccountType/>
-      </UserInfo>
-      <UserInfo>
-        <DisplayName>Frank McKinney</DisplayName>
-        <AccountId>6074</AccountId>
-        <AccountType/>
-      </UserInfo>
-      <UserInfo>
-        <DisplayName>Amy Johnson</DisplayName>
-        <AccountId>281</AccountId>
-        <AccountType/>
-      </UserInfo>
-      <UserInfo>
-        <DisplayName>Michael Solomon</DisplayName>
-        <AccountId>78</AccountId>
-        <AccountType/>
-      </UserInfo>
-      <UserInfo>
-        <DisplayName>Tony Schueth</DisplayName>
-        <AccountId>24</AccountId>
-        <AccountType/>
-      </UserInfo>
-    </SharedWithUsers>
-    <TaxCatchAll xmlns="cf5a87e6-8225-499d-8aa7-664ff23f0528" xsi:nil="true"/>
-    <lcf76f155ced4ddcb4097134ff3c332f xmlns="9f94fe76-4e69-4a06-93ce-361b54a8e543">
-      <Terms xmlns="http://schemas.microsoft.com/office/infopath/2007/PartnerControls"/>
-    </lcf76f155ced4ddcb4097134ff3c332f>
-  </documentManagement>
-</p:properties>
+<?mso-contentType ?>
+<FormTemplates xmlns="http://schemas.microsoft.com/sharepoint/v3/contenttype/forms">
+  <Display>DocumentLibraryForm</Display>
+  <Edit>DocumentLibraryForm</Edit>
+  <New>DocumentLibraryForm</New>
+</FormTemplates>
 </file>
 
 <file path=customXml/item2.xml><?xml version="1.0" encoding="utf-8"?>
@@ -30739,27 +30687,67 @@
 </file>
 
 <file path=customXml/item3.xml><?xml version="1.0" encoding="utf-8"?>
-<?mso-contentType ?>
-<FormTemplates xmlns="http://schemas.microsoft.com/sharepoint/v3/contenttype/forms">
-  <Display>DocumentLibraryForm</Display>
-  <Edit>DocumentLibraryForm</Edit>
-  <New>DocumentLibraryForm</New>
-</FormTemplates>
+<p:properties xmlns:p="http://schemas.microsoft.com/office/2006/metadata/properties" xmlns:xsi="http://www.w3.org/2001/XMLSchema-instance" xmlns:pc="http://schemas.microsoft.com/office/infopath/2007/PartnerControls">
+  <documentManagement>
+    <SharedWithUsers xmlns="cf5a87e6-8225-499d-8aa7-664ff23f0528">
+      <UserInfo>
+        <DisplayName>Kathy Moncelsi</DisplayName>
+        <AccountId>117</AccountId>
+        <AccountType/>
+      </UserInfo>
+      <UserInfo>
+        <DisplayName>Vanessa Candelora</DisplayName>
+        <AccountId>7525</AccountId>
+        <AccountType/>
+      </UserInfo>
+      <UserInfo>
+        <DisplayName>Phung Matthews</DisplayName>
+        <AccountId>7256</AccountId>
+        <AccountType/>
+      </UserInfo>
+      <UserInfo>
+        <DisplayName>Jordyn King</DisplayName>
+        <AccountId>6166</AccountId>
+        <AccountType/>
+      </UserInfo>
+      <UserInfo>
+        <DisplayName>Pooja Babbrah</DisplayName>
+        <AccountId>63</AccountId>
+        <AccountType/>
+      </UserInfo>
+      <UserInfo>
+        <DisplayName>Frank McKinney</DisplayName>
+        <AccountId>6074</AccountId>
+        <AccountType/>
+      </UserInfo>
+      <UserInfo>
+        <DisplayName>Amy Johnson</DisplayName>
+        <AccountId>281</AccountId>
+        <AccountType/>
+      </UserInfo>
+      <UserInfo>
+        <DisplayName>Michael Solomon</DisplayName>
+        <AccountId>78</AccountId>
+        <AccountType/>
+      </UserInfo>
+      <UserInfo>
+        <DisplayName>Tony Schueth</DisplayName>
+        <AccountId>24</AccountId>
+        <AccountType/>
+      </UserInfo>
+    </SharedWithUsers>
+    <TaxCatchAll xmlns="cf5a87e6-8225-499d-8aa7-664ff23f0528" xsi:nil="true"/>
+    <lcf76f155ced4ddcb4097134ff3c332f xmlns="9f94fe76-4e69-4a06-93ce-361b54a8e543">
+      <Terms xmlns="http://schemas.microsoft.com/office/infopath/2007/PartnerControls"/>
+    </lcf76f155ced4ddcb4097134ff3c332f>
+  </documentManagement>
+</p:properties>
 </file>
 
 <file path=customXml/itemProps1.xml><?xml version="1.0" encoding="utf-8"?>
-<ds:datastoreItem xmlns:ds="http://schemas.openxmlformats.org/officeDocument/2006/customXml" ds:itemID="{ABC3541C-51DD-43E3-8C9A-56AC6823A20C}">
+<ds:datastoreItem xmlns:ds="http://schemas.openxmlformats.org/officeDocument/2006/customXml" ds:itemID="{0BA6B2E7-CD55-478D-BEC8-4794A5943CF4}">
   <ds:schemaRefs>
-    <ds:schemaRef ds:uri="9f94fe76-4e69-4a06-93ce-361b54a8e543"/>
-    <ds:schemaRef ds:uri="cf5a87e6-8225-499d-8aa7-664ff23f0528"/>
-    <ds:schemaRef ds:uri="http://purl.org/dc/dcmitype/"/>
-    <ds:schemaRef ds:uri="http://purl.org/dc/elements/1.1/"/>
-    <ds:schemaRef ds:uri="http://purl.org/dc/terms/"/>
-    <ds:schemaRef ds:uri="http://schemas.microsoft.com/office/2006/documentManagement/types"/>
-    <ds:schemaRef ds:uri="http://schemas.microsoft.com/office/2006/metadata/properties"/>
-    <ds:schemaRef ds:uri="http://schemas.microsoft.com/office/infopath/2007/PartnerControls"/>
-    <ds:schemaRef ds:uri="http://schemas.openxmlformats.org/package/2006/metadata/core-properties"/>
-    <ds:schemaRef ds:uri="http://www.w3.org/XML/1998/namespace"/>
+    <ds:schemaRef ds:uri="http://schemas.microsoft.com/sharepoint/v3/contenttype/forms"/>
   </ds:schemaRefs>
 </ds:datastoreItem>
 </file>
@@ -30784,9 +30772,18 @@
 </file>
 
 <file path=customXml/itemProps3.xml><?xml version="1.0" encoding="utf-8"?>
-<ds:datastoreItem xmlns:ds="http://schemas.openxmlformats.org/officeDocument/2006/customXml" ds:itemID="{0BA6B2E7-CD55-478D-BEC8-4794A5943CF4}">
+<ds:datastoreItem xmlns:ds="http://schemas.openxmlformats.org/officeDocument/2006/customXml" ds:itemID="{ABC3541C-51DD-43E3-8C9A-56AC6823A20C}">
   <ds:schemaRefs>
-    <ds:schemaRef ds:uri="http://schemas.microsoft.com/sharepoint/v3/contenttype/forms"/>
+    <ds:schemaRef ds:uri="9f94fe76-4e69-4a06-93ce-361b54a8e543"/>
+    <ds:schemaRef ds:uri="cf5a87e6-8225-499d-8aa7-664ff23f0528"/>
+    <ds:schemaRef ds:uri="http://purl.org/dc/dcmitype/"/>
+    <ds:schemaRef ds:uri="http://purl.org/dc/elements/1.1/"/>
+    <ds:schemaRef ds:uri="http://purl.org/dc/terms/"/>
+    <ds:schemaRef ds:uri="http://schemas.microsoft.com/office/2006/documentManagement/types"/>
+    <ds:schemaRef ds:uri="http://schemas.microsoft.com/office/2006/metadata/properties"/>
+    <ds:schemaRef ds:uri="http://schemas.microsoft.com/office/infopath/2007/PartnerControls"/>
+    <ds:schemaRef ds:uri="http://schemas.openxmlformats.org/package/2006/metadata/core-properties"/>
+    <ds:schemaRef ds:uri="http://www.w3.org/XML/1998/namespace"/>
   </ds:schemaRefs>
 </ds:datastoreItem>
 </file>